--- a/Documentation/TIMETABLE_GENERATOR[2].pptx
+++ b/Documentation/TIMETABLE_GENERATOR[2].pptx
@@ -9,11 +9,16 @@
     <p:sldId id="257" r:id="rId3"/>
     <p:sldId id="265" r:id="rId4"/>
     <p:sldId id="258" r:id="rId5"/>
-    <p:sldId id="261" r:id="rId6"/>
-    <p:sldId id="264" r:id="rId7"/>
-    <p:sldId id="260" r:id="rId8"/>
-    <p:sldId id="263" r:id="rId9"/>
-    <p:sldId id="262" r:id="rId10"/>
+    <p:sldId id="266" r:id="rId6"/>
+    <p:sldId id="267" r:id="rId7"/>
+    <p:sldId id="261" r:id="rId8"/>
+    <p:sldId id="264" r:id="rId9"/>
+    <p:sldId id="260" r:id="rId10"/>
+    <p:sldId id="263" r:id="rId11"/>
+    <p:sldId id="269" r:id="rId12"/>
+    <p:sldId id="270" r:id="rId13"/>
+    <p:sldId id="262" r:id="rId14"/>
+    <p:sldId id="268" r:id="rId15"/>
   </p:sldIdLst>
   <p:sldSz cx="12192000" cy="6858000"/>
   <p:notesSz cx="6858000" cy="9144000"/>
@@ -326,7 +331,7 @@
           <a:p>
             <a:fld id="{5674A4D8-90D9-4F74-99A1-CDEC3CAEC29B}" type="datetimeFigureOut">
               <a:rPr lang="en-IN" smtClean="0"/>
-              <a:t>14-02-2023</a:t>
+              <a:t>04-03-2023</a:t>
             </a:fld>
             <a:endParaRPr lang="en-IN"/>
           </a:p>
@@ -496,7 +501,7 @@
           <a:p>
             <a:fld id="{5674A4D8-90D9-4F74-99A1-CDEC3CAEC29B}" type="datetimeFigureOut">
               <a:rPr lang="en-IN" smtClean="0"/>
-              <a:t>14-02-2023</a:t>
+              <a:t>04-03-2023</a:t>
             </a:fld>
             <a:endParaRPr lang="en-IN"/>
           </a:p>
@@ -717,7 +722,7 @@
           <a:p>
             <a:fld id="{5674A4D8-90D9-4F74-99A1-CDEC3CAEC29B}" type="datetimeFigureOut">
               <a:rPr lang="en-IN" smtClean="0"/>
-              <a:t>14-02-2023</a:t>
+              <a:t>04-03-2023</a:t>
             </a:fld>
             <a:endParaRPr lang="en-IN"/>
           </a:p>
@@ -928,7 +933,7 @@
           <a:p>
             <a:fld id="{5674A4D8-90D9-4F74-99A1-CDEC3CAEC29B}" type="datetimeFigureOut">
               <a:rPr lang="en-IN" smtClean="0"/>
-              <a:t>14-02-2023</a:t>
+              <a:t>04-03-2023</a:t>
             </a:fld>
             <a:endParaRPr lang="en-IN"/>
           </a:p>
@@ -1223,7 +1228,7 @@
           <a:p>
             <a:fld id="{5674A4D8-90D9-4F74-99A1-CDEC3CAEC29B}" type="datetimeFigureOut">
               <a:rPr lang="en-IN" smtClean="0"/>
-              <a:t>14-02-2023</a:t>
+              <a:t>04-03-2023</a:t>
             </a:fld>
             <a:endParaRPr lang="en-IN"/>
           </a:p>
@@ -1552,7 +1557,7 @@
           <a:p>
             <a:fld id="{5674A4D8-90D9-4F74-99A1-CDEC3CAEC29B}" type="datetimeFigureOut">
               <a:rPr lang="en-IN" smtClean="0"/>
-              <a:t>14-02-2023</a:t>
+              <a:t>04-03-2023</a:t>
             </a:fld>
             <a:endParaRPr lang="en-IN"/>
           </a:p>
@@ -2044,7 +2049,7 @@
           <a:p>
             <a:fld id="{5674A4D8-90D9-4F74-99A1-CDEC3CAEC29B}" type="datetimeFigureOut">
               <a:rPr lang="en-IN" smtClean="0"/>
-              <a:t>14-02-2023</a:t>
+              <a:t>04-03-2023</a:t>
             </a:fld>
             <a:endParaRPr lang="en-IN"/>
           </a:p>
@@ -2203,7 +2208,7 @@
           <a:p>
             <a:fld id="{5674A4D8-90D9-4F74-99A1-CDEC3CAEC29B}" type="datetimeFigureOut">
               <a:rPr lang="en-IN" smtClean="0"/>
-              <a:t>14-02-2023</a:t>
+              <a:t>04-03-2023</a:t>
             </a:fld>
             <a:endParaRPr lang="en-IN"/>
           </a:p>
@@ -2339,7 +2344,7 @@
           <a:p>
             <a:fld id="{5674A4D8-90D9-4F74-99A1-CDEC3CAEC29B}" type="datetimeFigureOut">
               <a:rPr lang="en-IN" smtClean="0"/>
-              <a:t>14-02-2023</a:t>
+              <a:t>04-03-2023</a:t>
             </a:fld>
             <a:endParaRPr lang="en-IN"/>
           </a:p>
@@ -2667,7 +2672,7 @@
           <a:p>
             <a:fld id="{5674A4D8-90D9-4F74-99A1-CDEC3CAEC29B}" type="datetimeFigureOut">
               <a:rPr lang="en-IN" smtClean="0"/>
-              <a:t>14-02-2023</a:t>
+              <a:t>04-03-2023</a:t>
             </a:fld>
             <a:endParaRPr lang="en-IN"/>
           </a:p>
@@ -2982,7 +2987,7 @@
           <a:p>
             <a:fld id="{5674A4D8-90D9-4F74-99A1-CDEC3CAEC29B}" type="datetimeFigureOut">
               <a:rPr lang="en-IN" smtClean="0"/>
-              <a:t>14-02-2023</a:t>
+              <a:t>04-03-2023</a:t>
             </a:fld>
             <a:endParaRPr lang="en-IN"/>
           </a:p>
@@ -3234,7 +3239,7 @@
           <a:p>
             <a:fld id="{5674A4D8-90D9-4F74-99A1-CDEC3CAEC29B}" type="datetimeFigureOut">
               <a:rPr lang="en-IN" smtClean="0"/>
-              <a:t>14-02-2023</a:t>
+              <a:t>04-03-2023</a:t>
             </a:fld>
             <a:endParaRPr lang="en-IN"/>
           </a:p>
@@ -3945,6 +3950,830 @@
 </p:sld>
 </file>
 
+<file path=ppt/slides/slide10.xml><?xml version="1.0" encoding="utf-8"?>
+<p:sld xmlns:a="http://schemas.openxmlformats.org/drawingml/2006/main" xmlns:r="http://schemas.openxmlformats.org/officeDocument/2006/relationships" xmlns:p="http://schemas.openxmlformats.org/presentationml/2006/main">
+  <p:cSld>
+    <p:spTree>
+      <p:nvGrpSpPr>
+        <p:cNvPr id="1" name=""/>
+        <p:cNvGrpSpPr/>
+        <p:nvPr/>
+      </p:nvGrpSpPr>
+      <p:grpSpPr>
+        <a:xfrm>
+          <a:off x="0" y="0"/>
+          <a:ext cx="0" cy="0"/>
+          <a:chOff x="0" y="0"/>
+          <a:chExt cx="0" cy="0"/>
+        </a:xfrm>
+      </p:grpSpPr>
+      <p:sp>
+        <p:nvSpPr>
+          <p:cNvPr id="2" name="Title 1">
+            <a:extLst>
+              <a:ext uri="{FF2B5EF4-FFF2-40B4-BE49-F238E27FC236}">
+                <a16:creationId xmlns:a16="http://schemas.microsoft.com/office/drawing/2014/main" id="{51FA964B-8FCD-385B-927F-5864E1B76962}"/>
+              </a:ext>
+            </a:extLst>
+          </p:cNvPr>
+          <p:cNvSpPr>
+            <a:spLocks noGrp="1"/>
+          </p:cNvSpPr>
+          <p:nvPr>
+            <p:ph type="title"/>
+          </p:nvPr>
+        </p:nvSpPr>
+        <p:spPr>
+          <a:xfrm>
+            <a:off x="1828800" y="428626"/>
+            <a:ext cx="8102990" cy="879670"/>
+          </a:xfrm>
+        </p:spPr>
+        <p:txBody>
+          <a:bodyPr>
+            <a:normAutofit/>
+          </a:bodyPr>
+          <a:lstStyle/>
+          <a:p>
+            <a:pPr algn="ctr"/>
+            <a:r>
+              <a:rPr lang="en-IN" sz="4000" dirty="0">
+                <a:latin typeface="Times New Roman" panose="02020603050405020304" pitchFamily="18" charset="0"/>
+                <a:cs typeface="Times New Roman" panose="02020603050405020304" pitchFamily="18" charset="0"/>
+              </a:rPr>
+              <a:t>FEATURES</a:t>
+            </a:r>
+          </a:p>
+        </p:txBody>
+      </p:sp>
+      <p:sp>
+        <p:nvSpPr>
+          <p:cNvPr id="3" name="Content Placeholder 2">
+            <a:extLst>
+              <a:ext uri="{FF2B5EF4-FFF2-40B4-BE49-F238E27FC236}">
+                <a16:creationId xmlns:a16="http://schemas.microsoft.com/office/drawing/2014/main" id="{B109C5EC-2E5A-77AB-2F7C-FC96F3563D73}"/>
+              </a:ext>
+            </a:extLst>
+          </p:cNvPr>
+          <p:cNvSpPr>
+            <a:spLocks noGrp="1"/>
+          </p:cNvSpPr>
+          <p:nvPr>
+            <p:ph idx="1"/>
+          </p:nvPr>
+        </p:nvSpPr>
+        <p:spPr>
+          <a:xfrm>
+            <a:off x="1028700" y="1851025"/>
+            <a:ext cx="9719017" cy="4338760"/>
+          </a:xfrm>
+        </p:spPr>
+        <p:txBody>
+          <a:bodyPr/>
+          <a:lstStyle/>
+          <a:p>
+            <a:pPr algn="just"/>
+            <a:r>
+              <a:rPr lang="en-US" b="1" dirty="0"/>
+              <a:t>Data storage</a:t>
+            </a:r>
+          </a:p>
+          <a:p>
+            <a:pPr algn="just"/>
+            <a:endParaRPr lang="en-US" dirty="0"/>
+          </a:p>
+          <a:p>
+            <a:pPr algn="just"/>
+            <a:r>
+              <a:rPr lang="en-US" b="1" dirty="0"/>
+              <a:t>Conflict detection</a:t>
+            </a:r>
+          </a:p>
+          <a:p>
+            <a:pPr algn="just"/>
+            <a:endParaRPr lang="en-US" b="1" dirty="0"/>
+          </a:p>
+          <a:p>
+            <a:pPr algn="just"/>
+            <a:r>
+              <a:rPr lang="en-US" b="1" dirty="0"/>
+              <a:t>Class schedule visualization</a:t>
+            </a:r>
+          </a:p>
+          <a:p>
+            <a:pPr algn="just"/>
+            <a:endParaRPr lang="en-US" dirty="0"/>
+          </a:p>
+          <a:p>
+            <a:pPr algn="just"/>
+            <a:r>
+              <a:rPr lang="en-US" b="1" dirty="0"/>
+              <a:t>Mobile compatibility</a:t>
+            </a:r>
+            <a:endParaRPr lang="en-IN" dirty="0"/>
+          </a:p>
+        </p:txBody>
+      </p:sp>
+    </p:spTree>
+    <p:extLst>
+      <p:ext uri="{BB962C8B-B14F-4D97-AF65-F5344CB8AC3E}">
+        <p14:creationId xmlns:p14="http://schemas.microsoft.com/office/powerpoint/2010/main" val="3246258575"/>
+      </p:ext>
+    </p:extLst>
+  </p:cSld>
+  <p:clrMapOvr>
+    <a:masterClrMapping/>
+  </p:clrMapOvr>
+  <mc:AlternateContent xmlns:mc="http://schemas.openxmlformats.org/markup-compatibility/2006" xmlns:p14="http://schemas.microsoft.com/office/powerpoint/2010/main">
+    <mc:Choice Requires="p14">
+      <p:transition p14:dur="10"/>
+    </mc:Choice>
+    <mc:Fallback xmlns="">
+      <p:transition/>
+    </mc:Fallback>
+  </mc:AlternateContent>
+</p:sld>
+</file>
+
+<file path=ppt/slides/slide11.xml><?xml version="1.0" encoding="utf-8"?>
+<p:sld xmlns:a="http://schemas.openxmlformats.org/drawingml/2006/main" xmlns:r="http://schemas.openxmlformats.org/officeDocument/2006/relationships" xmlns:p="http://schemas.openxmlformats.org/presentationml/2006/main">
+  <p:cSld>
+    <p:spTree>
+      <p:nvGrpSpPr>
+        <p:cNvPr id="1" name=""/>
+        <p:cNvGrpSpPr/>
+        <p:nvPr/>
+      </p:nvGrpSpPr>
+      <p:grpSpPr>
+        <a:xfrm>
+          <a:off x="0" y="0"/>
+          <a:ext cx="0" cy="0"/>
+          <a:chOff x="0" y="0"/>
+          <a:chExt cx="0" cy="0"/>
+        </a:xfrm>
+      </p:grpSpPr>
+      <p:sp>
+        <p:nvSpPr>
+          <p:cNvPr id="2" name="Title 1">
+            <a:extLst>
+              <a:ext uri="{FF2B5EF4-FFF2-40B4-BE49-F238E27FC236}">
+                <a16:creationId xmlns:a16="http://schemas.microsoft.com/office/drawing/2014/main" id="{51FA964B-8FCD-385B-927F-5864E1B76962}"/>
+              </a:ext>
+            </a:extLst>
+          </p:cNvPr>
+          <p:cNvSpPr>
+            <a:spLocks noGrp="1"/>
+          </p:cNvSpPr>
+          <p:nvPr>
+            <p:ph type="title"/>
+          </p:nvPr>
+        </p:nvSpPr>
+        <p:spPr>
+          <a:xfrm>
+            <a:off x="1828800" y="428626"/>
+            <a:ext cx="8102990" cy="879670"/>
+          </a:xfrm>
+        </p:spPr>
+        <p:txBody>
+          <a:bodyPr>
+            <a:normAutofit/>
+          </a:bodyPr>
+          <a:lstStyle/>
+          <a:p>
+            <a:pPr algn="ctr"/>
+            <a:r>
+              <a:rPr lang="en-IN" sz="4000" dirty="0">
+                <a:latin typeface="Times New Roman" panose="02020603050405020304" pitchFamily="18" charset="0"/>
+                <a:cs typeface="Times New Roman" panose="02020603050405020304" pitchFamily="18" charset="0"/>
+              </a:rPr>
+              <a:t>SYSTEM ARCHITECTURE</a:t>
+            </a:r>
+          </a:p>
+        </p:txBody>
+      </p:sp>
+      <p:sp>
+        <p:nvSpPr>
+          <p:cNvPr id="4" name="Rectangle 2">
+            <a:extLst>
+              <a:ext uri="{FF2B5EF4-FFF2-40B4-BE49-F238E27FC236}">
+                <a16:creationId xmlns:a16="http://schemas.microsoft.com/office/drawing/2014/main" id="{11795B25-8B8C-6D7B-69EC-769FC464849F}"/>
+              </a:ext>
+            </a:extLst>
+          </p:cNvPr>
+          <p:cNvSpPr>
+            <a:spLocks noChangeArrowheads="1"/>
+          </p:cNvSpPr>
+          <p:nvPr/>
+        </p:nvSpPr>
+        <p:spPr bwMode="auto">
+          <a:xfrm>
+            <a:off x="2672861" y="1702191"/>
+            <a:ext cx="12192000" cy="457200"/>
+          </a:xfrm>
+          <a:prstGeom prst="rect">
+            <a:avLst/>
+          </a:prstGeom>
+          <a:noFill/>
+          <a:ln>
+            <a:noFill/>
+          </a:ln>
+          <a:effectLst/>
+          <a:extLst>
+            <a:ext uri="{909E8E84-426E-40DD-AFC4-6F175D3DCCD1}">
+              <a14:hiddenFill xmlns:a14="http://schemas.microsoft.com/office/drawing/2010/main">
+                <a:solidFill>
+                  <a:schemeClr val="accent1"/>
+                </a:solidFill>
+              </a14:hiddenFill>
+            </a:ext>
+            <a:ext uri="{91240B29-F687-4F45-9708-019B960494DF}">
+              <a14:hiddenLine xmlns:a14="http://schemas.microsoft.com/office/drawing/2010/main" w="9525">
+                <a:solidFill>
+                  <a:schemeClr val="tx1"/>
+                </a:solidFill>
+                <a:miter lim="800000"/>
+                <a:headEnd/>
+                <a:tailEnd/>
+              </a14:hiddenLine>
+            </a:ext>
+            <a:ext uri="{AF507438-7753-43E0-B8FC-AC1667EBCBE1}">
+              <a14:hiddenEffects xmlns:a14="http://schemas.microsoft.com/office/drawing/2010/main">
+                <a:effectLst>
+                  <a:outerShdw dist="35921" dir="2700000" algn="ctr" rotWithShape="0">
+                    <a:schemeClr val="bg2"/>
+                  </a:outerShdw>
+                </a:effectLst>
+              </a14:hiddenEffects>
+            </a:ext>
+          </a:extLst>
+        </p:spPr>
+        <p:txBody>
+          <a:bodyPr vert="horz" wrap="none" lIns="91440" tIns="45720" rIns="91440" bIns="45720" numCol="1" anchor="ctr" anchorCtr="0" compatLnSpc="1">
+            <a:prstTxWarp prst="textNoShape">
+              <a:avLst/>
+            </a:prstTxWarp>
+            <a:spAutoFit/>
+          </a:bodyPr>
+          <a:lstStyle/>
+          <a:p>
+            <a:endParaRPr lang="en-IN"/>
+          </a:p>
+        </p:txBody>
+      </p:sp>
+      <p:pic>
+        <p:nvPicPr>
+          <p:cNvPr id="7" name="Picture 6">
+            <a:extLst>
+              <a:ext uri="{FF2B5EF4-FFF2-40B4-BE49-F238E27FC236}">
+                <a16:creationId xmlns:a16="http://schemas.microsoft.com/office/drawing/2014/main" id="{0D98C71B-EE88-14DD-7EF5-B15D22D5CA8C}"/>
+              </a:ext>
+            </a:extLst>
+          </p:cNvPr>
+          <p:cNvPicPr>
+            <a:picLocks noChangeAspect="1"/>
+          </p:cNvPicPr>
+          <p:nvPr/>
+        </p:nvPicPr>
+        <p:blipFill>
+          <a:blip r:embed="rId2">
+            <a:extLst>
+              <a:ext uri="{28A0092B-C50C-407E-A947-70E740481C1C}">
+                <a14:useLocalDpi xmlns:a14="http://schemas.microsoft.com/office/drawing/2010/main" val="0"/>
+              </a:ext>
+            </a:extLst>
+          </a:blip>
+          <a:stretch>
+            <a:fillRect/>
+          </a:stretch>
+        </p:blipFill>
+        <p:spPr>
+          <a:xfrm>
+            <a:off x="1927274" y="1581025"/>
+            <a:ext cx="8243667" cy="4941708"/>
+          </a:xfrm>
+          <a:prstGeom prst="rect">
+            <a:avLst/>
+          </a:prstGeom>
+        </p:spPr>
+      </p:pic>
+    </p:spTree>
+    <p:extLst>
+      <p:ext uri="{BB962C8B-B14F-4D97-AF65-F5344CB8AC3E}">
+        <p14:creationId xmlns:p14="http://schemas.microsoft.com/office/powerpoint/2010/main" val="1141488554"/>
+      </p:ext>
+    </p:extLst>
+  </p:cSld>
+  <p:clrMapOvr>
+    <a:masterClrMapping/>
+  </p:clrMapOvr>
+  <mc:AlternateContent xmlns:mc="http://schemas.openxmlformats.org/markup-compatibility/2006" xmlns:p14="http://schemas.microsoft.com/office/powerpoint/2010/main">
+    <mc:Choice Requires="p14">
+      <p:transition p14:dur="10"/>
+    </mc:Choice>
+    <mc:Fallback xmlns="">
+      <p:transition/>
+    </mc:Fallback>
+  </mc:AlternateContent>
+</p:sld>
+</file>
+
+<file path=ppt/slides/slide12.xml><?xml version="1.0" encoding="utf-8"?>
+<p:sld xmlns:a="http://schemas.openxmlformats.org/drawingml/2006/main" xmlns:r="http://schemas.openxmlformats.org/officeDocument/2006/relationships" xmlns:p="http://schemas.openxmlformats.org/presentationml/2006/main">
+  <p:cSld>
+    <p:spTree>
+      <p:nvGrpSpPr>
+        <p:cNvPr id="1" name=""/>
+        <p:cNvGrpSpPr/>
+        <p:nvPr/>
+      </p:nvGrpSpPr>
+      <p:grpSpPr>
+        <a:xfrm>
+          <a:off x="0" y="0"/>
+          <a:ext cx="0" cy="0"/>
+          <a:chOff x="0" y="0"/>
+          <a:chExt cx="0" cy="0"/>
+        </a:xfrm>
+      </p:grpSpPr>
+      <p:sp>
+        <p:nvSpPr>
+          <p:cNvPr id="2" name="Title 1">
+            <a:extLst>
+              <a:ext uri="{FF2B5EF4-FFF2-40B4-BE49-F238E27FC236}">
+                <a16:creationId xmlns:a16="http://schemas.microsoft.com/office/drawing/2014/main" id="{51FA964B-8FCD-385B-927F-5864E1B76962}"/>
+              </a:ext>
+            </a:extLst>
+          </p:cNvPr>
+          <p:cNvSpPr>
+            <a:spLocks noGrp="1"/>
+          </p:cNvSpPr>
+          <p:nvPr>
+            <p:ph type="title"/>
+          </p:nvPr>
+        </p:nvSpPr>
+        <p:spPr>
+          <a:xfrm>
+            <a:off x="1828800" y="428626"/>
+            <a:ext cx="8102990" cy="879670"/>
+          </a:xfrm>
+        </p:spPr>
+        <p:txBody>
+          <a:bodyPr>
+            <a:normAutofit/>
+          </a:bodyPr>
+          <a:lstStyle/>
+          <a:p>
+            <a:pPr algn="ctr"/>
+            <a:r>
+              <a:rPr lang="en-IN" sz="4000" dirty="0">
+                <a:latin typeface="Times New Roman" panose="02020603050405020304" pitchFamily="18" charset="0"/>
+                <a:cs typeface="Times New Roman" panose="02020603050405020304" pitchFamily="18" charset="0"/>
+              </a:rPr>
+              <a:t>MODULES</a:t>
+            </a:r>
+          </a:p>
+        </p:txBody>
+      </p:sp>
+      <p:sp>
+        <p:nvSpPr>
+          <p:cNvPr id="3" name="Content Placeholder 2">
+            <a:extLst>
+              <a:ext uri="{FF2B5EF4-FFF2-40B4-BE49-F238E27FC236}">
+                <a16:creationId xmlns:a16="http://schemas.microsoft.com/office/drawing/2014/main" id="{B109C5EC-2E5A-77AB-2F7C-FC96F3563D73}"/>
+              </a:ext>
+            </a:extLst>
+          </p:cNvPr>
+          <p:cNvSpPr>
+            <a:spLocks noGrp="1"/>
+          </p:cNvSpPr>
+          <p:nvPr>
+            <p:ph idx="1"/>
+          </p:nvPr>
+        </p:nvSpPr>
+        <p:spPr>
+          <a:xfrm>
+            <a:off x="1028700" y="1851025"/>
+            <a:ext cx="9719017" cy="4338760"/>
+          </a:xfrm>
+        </p:spPr>
+        <p:txBody>
+          <a:bodyPr/>
+          <a:lstStyle/>
+          <a:p>
+            <a:pPr algn="just"/>
+            <a:r>
+              <a:rPr lang="en-IN" b="0" i="0" dirty="0">
+                <a:solidFill>
+                  <a:srgbClr val="374151"/>
+                </a:solidFill>
+                <a:effectLst/>
+                <a:latin typeface="Söhne"/>
+              </a:rPr>
+              <a:t>Fitness Function Module</a:t>
+            </a:r>
+          </a:p>
+          <a:p>
+            <a:pPr algn="just"/>
+            <a:r>
+              <a:rPr lang="en-IN" b="0" i="0" dirty="0">
+                <a:solidFill>
+                  <a:srgbClr val="374151"/>
+                </a:solidFill>
+                <a:effectLst/>
+                <a:latin typeface="Söhne"/>
+              </a:rPr>
+              <a:t>Initial Population Generation Module</a:t>
+            </a:r>
+          </a:p>
+          <a:p>
+            <a:pPr algn="just"/>
+            <a:r>
+              <a:rPr lang="en-IN" b="0" i="0" dirty="0">
+                <a:solidFill>
+                  <a:srgbClr val="374151"/>
+                </a:solidFill>
+                <a:effectLst/>
+                <a:latin typeface="Söhne"/>
+              </a:rPr>
+              <a:t>Selection Module</a:t>
+            </a:r>
+          </a:p>
+          <a:p>
+            <a:pPr algn="just"/>
+            <a:r>
+              <a:rPr lang="en-IN" b="0" i="0" dirty="0">
+                <a:solidFill>
+                  <a:srgbClr val="374151"/>
+                </a:solidFill>
+                <a:effectLst/>
+                <a:latin typeface="Söhne"/>
+              </a:rPr>
+              <a:t>Crossover Module</a:t>
+            </a:r>
+            <a:endParaRPr lang="en-IN" dirty="0">
+              <a:solidFill>
+                <a:srgbClr val="374151"/>
+              </a:solidFill>
+              <a:latin typeface="Söhne"/>
+            </a:endParaRPr>
+          </a:p>
+          <a:p>
+            <a:pPr algn="just"/>
+            <a:r>
+              <a:rPr lang="en-IN" b="0" i="0" dirty="0">
+                <a:solidFill>
+                  <a:srgbClr val="374151"/>
+                </a:solidFill>
+                <a:effectLst/>
+                <a:latin typeface="Söhne"/>
+              </a:rPr>
+              <a:t>Mutation Module</a:t>
+            </a:r>
+          </a:p>
+          <a:p>
+            <a:pPr algn="just"/>
+            <a:r>
+              <a:rPr lang="en-IN" b="0" i="0" dirty="0">
+                <a:solidFill>
+                  <a:srgbClr val="374151"/>
+                </a:solidFill>
+                <a:effectLst/>
+                <a:latin typeface="Söhne"/>
+              </a:rPr>
+              <a:t>Termination Module</a:t>
+            </a:r>
+            <a:endParaRPr lang="en-IN" dirty="0">
+              <a:solidFill>
+                <a:srgbClr val="374151"/>
+              </a:solidFill>
+              <a:latin typeface="Söhne"/>
+            </a:endParaRPr>
+          </a:p>
+          <a:p>
+            <a:pPr algn="just"/>
+            <a:r>
+              <a:rPr lang="en-IN" b="0" i="0">
+                <a:solidFill>
+                  <a:srgbClr val="374151"/>
+                </a:solidFill>
+                <a:effectLst/>
+                <a:latin typeface="Söhne"/>
+              </a:rPr>
+              <a:t>Output Module</a:t>
+            </a:r>
+            <a:endParaRPr lang="en-IN" dirty="0"/>
+          </a:p>
+        </p:txBody>
+      </p:sp>
+    </p:spTree>
+    <p:extLst>
+      <p:ext uri="{BB962C8B-B14F-4D97-AF65-F5344CB8AC3E}">
+        <p14:creationId xmlns:p14="http://schemas.microsoft.com/office/powerpoint/2010/main" val="1153269949"/>
+      </p:ext>
+    </p:extLst>
+  </p:cSld>
+  <p:clrMapOvr>
+    <a:masterClrMapping/>
+  </p:clrMapOvr>
+  <mc:AlternateContent xmlns:mc="http://schemas.openxmlformats.org/markup-compatibility/2006" xmlns:p14="http://schemas.microsoft.com/office/powerpoint/2010/main">
+    <mc:Choice Requires="p14">
+      <p:transition p14:dur="10"/>
+    </mc:Choice>
+    <mc:Fallback xmlns="">
+      <p:transition/>
+    </mc:Fallback>
+  </mc:AlternateContent>
+</p:sld>
+</file>
+
+<file path=ppt/slides/slide13.xml><?xml version="1.0" encoding="utf-8"?>
+<p:sld xmlns:a="http://schemas.openxmlformats.org/drawingml/2006/main" xmlns:r="http://schemas.openxmlformats.org/officeDocument/2006/relationships" xmlns:p="http://schemas.openxmlformats.org/presentationml/2006/main">
+  <p:cSld>
+    <p:spTree>
+      <p:nvGrpSpPr>
+        <p:cNvPr id="1" name=""/>
+        <p:cNvGrpSpPr/>
+        <p:nvPr/>
+      </p:nvGrpSpPr>
+      <p:grpSpPr>
+        <a:xfrm>
+          <a:off x="0" y="0"/>
+          <a:ext cx="0" cy="0"/>
+          <a:chOff x="0" y="0"/>
+          <a:chExt cx="0" cy="0"/>
+        </a:xfrm>
+      </p:grpSpPr>
+      <p:sp>
+        <p:nvSpPr>
+          <p:cNvPr id="12" name="Title 11">
+            <a:extLst>
+              <a:ext uri="{FF2B5EF4-FFF2-40B4-BE49-F238E27FC236}">
+                <a16:creationId xmlns:a16="http://schemas.microsoft.com/office/drawing/2014/main" id="{ADA8497A-910E-B4C6-D278-76613E851841}"/>
+              </a:ext>
+            </a:extLst>
+          </p:cNvPr>
+          <p:cNvSpPr>
+            <a:spLocks noGrp="1"/>
+          </p:cNvSpPr>
+          <p:nvPr>
+            <p:ph type="title"/>
+          </p:nvPr>
+        </p:nvSpPr>
+        <p:spPr/>
+        <p:txBody>
+          <a:bodyPr>
+            <a:normAutofit/>
+          </a:bodyPr>
+          <a:lstStyle/>
+          <a:p>
+            <a:pPr algn="ctr"/>
+            <a:r>
+              <a:rPr lang="en-IN" dirty="0">
+                <a:latin typeface="Times New Roman" panose="02020603050405020304" pitchFamily="18" charset="0"/>
+                <a:cs typeface="Times New Roman" panose="02020603050405020304" pitchFamily="18" charset="0"/>
+              </a:rPr>
+              <a:t>CONCLUSION</a:t>
+            </a:r>
+          </a:p>
+        </p:txBody>
+      </p:sp>
+      <p:sp>
+        <p:nvSpPr>
+          <p:cNvPr id="13" name="Content Placeholder 12">
+            <a:extLst>
+              <a:ext uri="{FF2B5EF4-FFF2-40B4-BE49-F238E27FC236}">
+                <a16:creationId xmlns:a16="http://schemas.microsoft.com/office/drawing/2014/main" id="{C17F56D3-448E-8803-0DA4-E3934C5B0F65}"/>
+              </a:ext>
+            </a:extLst>
+          </p:cNvPr>
+          <p:cNvSpPr>
+            <a:spLocks noGrp="1"/>
+          </p:cNvSpPr>
+          <p:nvPr>
+            <p:ph idx="1"/>
+          </p:nvPr>
+        </p:nvSpPr>
+        <p:spPr>
+          <a:xfrm>
+            <a:off x="1261872" y="1589649"/>
+            <a:ext cx="9288897" cy="4459458"/>
+          </a:xfrm>
+        </p:spPr>
+        <p:txBody>
+          <a:bodyPr>
+            <a:normAutofit/>
+          </a:bodyPr>
+          <a:lstStyle/>
+          <a:p>
+            <a:pPr marL="0" indent="0" algn="just">
+              <a:buNone/>
+            </a:pPr>
+            <a:endParaRPr lang="en-IN" dirty="0"/>
+          </a:p>
+          <a:p>
+            <a:pPr algn="just"/>
+            <a:r>
+              <a:rPr lang="en-US" dirty="0"/>
+              <a:t> Effective time table generation requires careful planning and attention to detail. It is essential </a:t>
+            </a:r>
+            <a:r>
+              <a:rPr lang="en-US" dirty="0">
+                <a:latin typeface="Times New Roman" panose="02020603050405020304" pitchFamily="18" charset="0"/>
+                <a:cs typeface="Times New Roman" panose="02020603050405020304" pitchFamily="18" charset="0"/>
+              </a:rPr>
+              <a:t>to</a:t>
+            </a:r>
+            <a:r>
+              <a:rPr lang="en-US" dirty="0"/>
+              <a:t> consider the availability of classrooms, instructors, and students, and allocate them in a way that minimizes conflicts and maximizes productivity. The use of computer algorithms and scheduling software can significantly simplify the time table generation process and help ensure that the final schedule is efficient and feasible.</a:t>
+            </a:r>
+          </a:p>
+          <a:p>
+            <a:pPr algn="just"/>
+            <a:r>
+              <a:rPr lang="en-US" dirty="0"/>
+              <a:t> In conclusion, the generation of a time table is a complex process that requires careful consideration of multiple factors. By using the right tools and techniques, it is possible to create a well-structured schedule that meets the needs of all parties involved and contributes to a more organized and efficient workflow.</a:t>
+            </a:r>
+            <a:endParaRPr lang="en-IN" dirty="0"/>
+          </a:p>
+        </p:txBody>
+      </p:sp>
+    </p:spTree>
+    <p:extLst>
+      <p:ext uri="{BB962C8B-B14F-4D97-AF65-F5344CB8AC3E}">
+        <p14:creationId xmlns:p14="http://schemas.microsoft.com/office/powerpoint/2010/main" val="195012013"/>
+      </p:ext>
+    </p:extLst>
+  </p:cSld>
+  <p:clrMapOvr>
+    <a:masterClrMapping/>
+  </p:clrMapOvr>
+  <mc:AlternateContent xmlns:mc="http://schemas.openxmlformats.org/markup-compatibility/2006" xmlns:p14="http://schemas.microsoft.com/office/powerpoint/2010/main">
+    <mc:Choice Requires="p14">
+      <p:transition p14:dur="10"/>
+    </mc:Choice>
+    <mc:Fallback xmlns="">
+      <p:transition/>
+    </mc:Fallback>
+  </mc:AlternateContent>
+</p:sld>
+</file>
+
+<file path=ppt/slides/slide14.xml><?xml version="1.0" encoding="utf-8"?>
+<p:sld xmlns:a="http://schemas.openxmlformats.org/drawingml/2006/main" xmlns:r="http://schemas.openxmlformats.org/officeDocument/2006/relationships" xmlns:p="http://schemas.openxmlformats.org/presentationml/2006/main">
+  <p:cSld>
+    <p:spTree>
+      <p:nvGrpSpPr>
+        <p:cNvPr id="1" name=""/>
+        <p:cNvGrpSpPr/>
+        <p:nvPr/>
+      </p:nvGrpSpPr>
+      <p:grpSpPr>
+        <a:xfrm>
+          <a:off x="0" y="0"/>
+          <a:ext cx="0" cy="0"/>
+          <a:chOff x="0" y="0"/>
+          <a:chExt cx="0" cy="0"/>
+        </a:xfrm>
+      </p:grpSpPr>
+      <p:sp>
+        <p:nvSpPr>
+          <p:cNvPr id="12" name="Title 11">
+            <a:extLst>
+              <a:ext uri="{FF2B5EF4-FFF2-40B4-BE49-F238E27FC236}">
+                <a16:creationId xmlns:a16="http://schemas.microsoft.com/office/drawing/2014/main" id="{ADA8497A-910E-B4C6-D278-76613E851841}"/>
+              </a:ext>
+            </a:extLst>
+          </p:cNvPr>
+          <p:cNvSpPr>
+            <a:spLocks noGrp="1"/>
+          </p:cNvSpPr>
+          <p:nvPr>
+            <p:ph type="title"/>
+          </p:nvPr>
+        </p:nvSpPr>
+        <p:spPr>
+          <a:xfrm>
+            <a:off x="1261872" y="168812"/>
+            <a:ext cx="9692640" cy="1058276"/>
+          </a:xfrm>
+        </p:spPr>
+        <p:txBody>
+          <a:bodyPr>
+            <a:normAutofit/>
+          </a:bodyPr>
+          <a:lstStyle/>
+          <a:p>
+            <a:pPr algn="ctr"/>
+            <a:r>
+              <a:rPr lang="en-IN" dirty="0">
+                <a:latin typeface="Times New Roman" panose="02020603050405020304" pitchFamily="18" charset="0"/>
+                <a:cs typeface="Times New Roman" panose="02020603050405020304" pitchFamily="18" charset="0"/>
+              </a:rPr>
+              <a:t>REFERENCES</a:t>
+            </a:r>
+          </a:p>
+        </p:txBody>
+      </p:sp>
+      <p:sp>
+        <p:nvSpPr>
+          <p:cNvPr id="13" name="Content Placeholder 12">
+            <a:extLst>
+              <a:ext uri="{FF2B5EF4-FFF2-40B4-BE49-F238E27FC236}">
+                <a16:creationId xmlns:a16="http://schemas.microsoft.com/office/drawing/2014/main" id="{C17F56D3-448E-8803-0DA4-E3934C5B0F65}"/>
+              </a:ext>
+            </a:extLst>
+          </p:cNvPr>
+          <p:cNvSpPr>
+            <a:spLocks noGrp="1"/>
+          </p:cNvSpPr>
+          <p:nvPr>
+            <p:ph idx="1"/>
+          </p:nvPr>
+        </p:nvSpPr>
+        <p:spPr>
+          <a:xfrm>
+            <a:off x="1261872" y="1603716"/>
+            <a:ext cx="9288897" cy="4459458"/>
+          </a:xfrm>
+        </p:spPr>
+        <p:txBody>
+          <a:bodyPr>
+            <a:normAutofit/>
+          </a:bodyPr>
+          <a:lstStyle/>
+          <a:p>
+            <a:pPr algn="just"/>
+            <a:r>
+              <a:rPr lang="en-IN" dirty="0"/>
+              <a:t> Chowdhary A, </a:t>
+            </a:r>
+            <a:r>
+              <a:rPr lang="en-IN" dirty="0" err="1"/>
+              <a:t>Kande</a:t>
+            </a:r>
+            <a:r>
+              <a:rPr lang="en-IN" dirty="0"/>
+              <a:t> P, </a:t>
+            </a:r>
+            <a:r>
+              <a:rPr lang="en-IN" dirty="0" err="1"/>
+              <a:t>Dhone</a:t>
+            </a:r>
+            <a:r>
+              <a:rPr lang="en-IN" dirty="0"/>
+              <a:t> S, Ingle S, </a:t>
+            </a:r>
+            <a:r>
+              <a:rPr lang="en-IN" dirty="0" err="1"/>
+              <a:t>Rushiya</a:t>
+            </a:r>
+            <a:r>
+              <a:rPr lang="en-IN" dirty="0"/>
+              <a:t> R, And Gawande D, 2014 Timetable Generation system. International Journal of Computer Science and Mobile Computing, 3(2). </a:t>
+            </a:r>
+          </a:p>
+          <a:p>
+            <a:pPr algn="just"/>
+            <a:r>
+              <a:rPr lang="en-IN" dirty="0" err="1"/>
+              <a:t>Bhaduri</a:t>
+            </a:r>
+            <a:r>
+              <a:rPr lang="en-IN" dirty="0"/>
+              <a:t>, A., 2009, October. University timetable scheduling using genetic artificial immune network. In Advances in Recent Technologies in Communication and Computing, 2009. ARTCom'09. International Conference on (pp. 289Y292). IEEE.</a:t>
+            </a:r>
+          </a:p>
+          <a:p>
+            <a:pPr algn="just"/>
+            <a:r>
+              <a:rPr lang="en-US" dirty="0"/>
+              <a:t>International Journal of Engineering Research &amp; Technology (IJERT) http://www.ijert.org ISSN: 2278-0181 IJERTV9IS070568 Published by : www.ijert.org Vol. 9 Issue 07, July-2020</a:t>
+            </a:r>
+            <a:endParaRPr lang="en-IN" dirty="0"/>
+          </a:p>
+        </p:txBody>
+      </p:sp>
+    </p:spTree>
+    <p:extLst>
+      <p:ext uri="{BB962C8B-B14F-4D97-AF65-F5344CB8AC3E}">
+        <p14:creationId xmlns:p14="http://schemas.microsoft.com/office/powerpoint/2010/main" val="1582191328"/>
+      </p:ext>
+    </p:extLst>
+  </p:cSld>
+  <p:clrMapOvr>
+    <a:masterClrMapping/>
+  </p:clrMapOvr>
+  <mc:AlternateContent xmlns:mc="http://schemas.openxmlformats.org/markup-compatibility/2006" xmlns:p14="http://schemas.microsoft.com/office/powerpoint/2010/main">
+    <mc:Choice Requires="p14">
+      <p:transition p14:dur="10"/>
+    </mc:Choice>
+    <mc:Fallback xmlns="">
+      <p:transition/>
+    </mc:Fallback>
+  </mc:AlternateContent>
+</p:sld>
+</file>
+
 <file path=ppt/slides/slide2.xml><?xml version="1.0" encoding="utf-8"?>
 <p:sld xmlns:a="http://schemas.openxmlformats.org/drawingml/2006/main" xmlns:r="http://schemas.openxmlformats.org/officeDocument/2006/relationships" xmlns:p="http://schemas.openxmlformats.org/presentationml/2006/main">
   <p:cSld>
@@ -4219,11 +5048,11 @@
   <p:clrMapOvr>
     <a:masterClrMapping/>
   </p:clrMapOvr>
-  <mc:AlternateContent xmlns:mc="http://schemas.openxmlformats.org/markup-compatibility/2006">
-    <mc:Choice xmlns:p14="http://schemas.microsoft.com/office/powerpoint/2010/main" Requires="p14">
+  <mc:AlternateContent xmlns:mc="http://schemas.openxmlformats.org/markup-compatibility/2006" xmlns:p14="http://schemas.microsoft.com/office/powerpoint/2010/main">
+    <mc:Choice Requires="p14">
       <p:transition p14:dur="10"/>
     </mc:Choice>
-    <mc:Fallback>
+    <mc:Fallback xmlns="">
       <p:transition/>
     </mc:Fallback>
   </mc:AlternateContent>
@@ -4408,11 +5237,11 @@
   <p:clrMapOvr>
     <a:masterClrMapping/>
   </p:clrMapOvr>
-  <mc:AlternateContent xmlns:mc="http://schemas.openxmlformats.org/markup-compatibility/2006">
-    <mc:Choice xmlns:p14="http://schemas.microsoft.com/office/powerpoint/2010/main" Requires="p14">
+  <mc:AlternateContent xmlns:mc="http://schemas.openxmlformats.org/markup-compatibility/2006" xmlns:p14="http://schemas.microsoft.com/office/powerpoint/2010/main">
+    <mc:Choice Requires="p14">
       <p:transition p14:dur="10"/>
     </mc:Choice>
-    <mc:Fallback>
+    <mc:Fallback xmlns="">
       <p:transition/>
     </mc:Fallback>
   </mc:AlternateContent>
@@ -4438,10 +5267,10 @@
       </p:grpSpPr>
       <p:sp>
         <p:nvSpPr>
-          <p:cNvPr id="12" name="Title 11">
+          <p:cNvPr id="2" name="Title 1">
             <a:extLst>
               <a:ext uri="{FF2B5EF4-FFF2-40B4-BE49-F238E27FC236}">
-                <a16:creationId xmlns:a16="http://schemas.microsoft.com/office/drawing/2014/main" id="{ADA8497A-910E-B4C6-D278-76613E851841}"/>
+                <a16:creationId xmlns:a16="http://schemas.microsoft.com/office/drawing/2014/main" id="{51FA964B-8FCD-385B-927F-5864E1B76962}"/>
               </a:ext>
             </a:extLst>
           </p:cNvPr>
@@ -4454,107 +5283,112 @@
         </p:nvSpPr>
         <p:spPr>
           <a:xfrm>
-            <a:off x="866274" y="294198"/>
-            <a:ext cx="10088238" cy="1149592"/>
+            <a:off x="1249680" y="0"/>
+            <a:ext cx="9692640" cy="1002006"/>
           </a:xfrm>
         </p:spPr>
         <p:txBody>
+          <a:bodyPr/>
+          <a:lstStyle/>
+          <a:p>
+            <a:pPr algn="ctr"/>
+            <a:r>
+              <a:rPr lang="en-IN" dirty="0"/>
+              <a:t>LITERATURE REVIEW</a:t>
+            </a:r>
+          </a:p>
+        </p:txBody>
+      </p:sp>
+      <p:sp>
+        <p:nvSpPr>
+          <p:cNvPr id="3" name="Content Placeholder 2">
+            <a:extLst>
+              <a:ext uri="{FF2B5EF4-FFF2-40B4-BE49-F238E27FC236}">
+                <a16:creationId xmlns:a16="http://schemas.microsoft.com/office/drawing/2014/main" id="{B109C5EC-2E5A-77AB-2F7C-FC96F3563D73}"/>
+              </a:ext>
+            </a:extLst>
+          </p:cNvPr>
+          <p:cNvSpPr>
+            <a:spLocks noGrp="1"/>
+          </p:cNvSpPr>
+          <p:nvPr>
+            <p:ph idx="1"/>
+          </p:nvPr>
+        </p:nvSpPr>
+        <p:spPr>
+          <a:xfrm>
+            <a:off x="998335" y="1395900"/>
+            <a:ext cx="9943985" cy="5820826"/>
+          </a:xfrm>
+        </p:spPr>
+        <p:txBody>
           <a:bodyPr>
-            <a:normAutofit/>
+            <a:noAutofit/>
           </a:bodyPr>
           <a:lstStyle/>
           <a:p>
-            <a:r>
-              <a:rPr lang="en-IN" sz="3600" dirty="0">
+            <a:pPr algn="just">
+              <a:lnSpc>
+                <a:spcPct val="150000"/>
+              </a:lnSpc>
+            </a:pPr>
+            <a:r>
+              <a:rPr lang="en-US" dirty="0">
                 <a:latin typeface="Times New Roman" panose="02020603050405020304" pitchFamily="18" charset="0"/>
                 <a:cs typeface="Times New Roman" panose="02020603050405020304" pitchFamily="18" charset="0"/>
               </a:rPr>
-              <a:t> DISADVANTAGES OF EXISTING SOFTWARE</a:t>
-            </a:r>
-          </a:p>
-        </p:txBody>
-      </p:sp>
-      <p:sp>
-        <p:nvSpPr>
-          <p:cNvPr id="13" name="Content Placeholder 12">
-            <a:extLst>
-              <a:ext uri="{FF2B5EF4-FFF2-40B4-BE49-F238E27FC236}">
-                <a16:creationId xmlns:a16="http://schemas.microsoft.com/office/drawing/2014/main" id="{C17F56D3-448E-8803-0DA4-E3934C5B0F65}"/>
-              </a:ext>
-            </a:extLst>
-          </p:cNvPr>
-          <p:cNvSpPr>
-            <a:spLocks noGrp="1"/>
-          </p:cNvSpPr>
-          <p:nvPr>
-            <p:ph idx="1"/>
-          </p:nvPr>
-        </p:nvSpPr>
-        <p:spPr>
-          <a:xfrm>
-            <a:off x="1261872" y="1828800"/>
-            <a:ext cx="9345168" cy="4403188"/>
-          </a:xfrm>
-        </p:spPr>
-        <p:txBody>
-          <a:bodyPr>
-            <a:normAutofit/>
-          </a:bodyPr>
-          <a:lstStyle/>
-          <a:p>
-            <a:pPr algn="just"/>
-            <a:r>
-              <a:rPr lang="en-US" b="1" dirty="0"/>
-              <a:t>Difficulty in data management</a:t>
-            </a:r>
-          </a:p>
-          <a:p>
-            <a:pPr algn="just"/>
-            <a:endParaRPr lang="en-US" b="1" dirty="0"/>
-          </a:p>
-          <a:p>
-            <a:pPr algn="just"/>
-            <a:r>
-              <a:rPr lang="en-US" b="1" dirty="0">
+              <a:t>The existing system formulated a class or teacher timetabling problem by considering that each lecture contained one group of students, one teacher, and any number of times which could be chosen freely. </a:t>
+            </a:r>
+          </a:p>
+          <a:p>
+            <a:pPr algn="just">
+              <a:lnSpc>
+                <a:spcPct val="150000"/>
+              </a:lnSpc>
+            </a:pPr>
+            <a:r>
+              <a:rPr lang="en-US" dirty="0">
                 <a:latin typeface="Times New Roman" panose="02020603050405020304" pitchFamily="18" charset="0"/>
                 <a:cs typeface="Times New Roman" panose="02020603050405020304" pitchFamily="18" charset="0"/>
               </a:rPr>
-              <a:t>Compatibility</a:t>
-            </a:r>
-            <a:r>
-              <a:rPr lang="en-US" b="1" dirty="0"/>
-              <a:t> issues</a:t>
-            </a:r>
-          </a:p>
-          <a:p>
-            <a:pPr algn="just"/>
-            <a:endParaRPr lang="en-US" b="1" dirty="0"/>
-          </a:p>
-          <a:p>
-            <a:pPr algn="just"/>
-            <a:r>
-              <a:rPr lang="en-US" b="1" dirty="0"/>
-              <a:t>Error-prone</a:t>
-            </a:r>
-            <a:endParaRPr lang="en-IN" dirty="0"/>
+              <a:t>Since then the problem is being continuously studied using different conditions. Initially it was mostly applied to schools. Since the problem in schools are relatively simple because of their simple class structures, classical methods, such as linear or integer programming approaches could be used easily.</a:t>
+            </a:r>
+          </a:p>
+          <a:p>
+            <a:pPr algn="just">
+              <a:lnSpc>
+                <a:spcPct val="150000"/>
+              </a:lnSpc>
+            </a:pPr>
+            <a:r>
+              <a:rPr lang="en-US" dirty="0">
+                <a:latin typeface="Times New Roman" panose="02020603050405020304" pitchFamily="18" charset="0"/>
+                <a:cs typeface="Times New Roman" panose="02020603050405020304" pitchFamily="18" charset="0"/>
+              </a:rPr>
+              <a:t> However, the gradual consideration of the cases of higher secondary schools and universities, which contain different types of complicated class-structures, is increasing the complexity of the problem. </a:t>
+            </a:r>
+            <a:endParaRPr lang="en-IN" dirty="0">
+              <a:latin typeface="Times New Roman" panose="02020603050405020304" pitchFamily="18" charset="0"/>
+              <a:cs typeface="Times New Roman" panose="02020603050405020304" pitchFamily="18" charset="0"/>
+            </a:endParaRPr>
           </a:p>
         </p:txBody>
       </p:sp>
     </p:spTree>
     <p:extLst>
       <p:ext uri="{BB962C8B-B14F-4D97-AF65-F5344CB8AC3E}">
-        <p14:creationId xmlns:p14="http://schemas.microsoft.com/office/powerpoint/2010/main" val="2354646283"/>
+        <p14:creationId xmlns:p14="http://schemas.microsoft.com/office/powerpoint/2010/main" val="2453119983"/>
       </p:ext>
     </p:extLst>
   </p:cSld>
   <p:clrMapOvr>
     <a:masterClrMapping/>
   </p:clrMapOvr>
-  <mc:AlternateContent xmlns:mc="http://schemas.openxmlformats.org/markup-compatibility/2006">
-    <mc:Choice xmlns:p14="http://schemas.microsoft.com/office/powerpoint/2010/main" Requires="p14">
+  <mc:AlternateContent xmlns:mc="http://schemas.openxmlformats.org/markup-compatibility/2006" xmlns:p14="http://schemas.microsoft.com/office/powerpoint/2010/main">
+    <mc:Choice Requires="p14">
       <p:transition p14:dur="10"/>
     </mc:Choice>
-    <mc:Fallback>
+    <mc:Fallback xmlns="">
       <p:transition/>
     </mc:Fallback>
   </mc:AlternateContent>
@@ -4580,10 +5414,10 @@
       </p:grpSpPr>
       <p:sp>
         <p:nvSpPr>
-          <p:cNvPr id="12" name="Title 11">
+          <p:cNvPr id="2" name="Title 1">
             <a:extLst>
               <a:ext uri="{FF2B5EF4-FFF2-40B4-BE49-F238E27FC236}">
-                <a16:creationId xmlns:a16="http://schemas.microsoft.com/office/drawing/2014/main" id="{ADA8497A-910E-B4C6-D278-76613E851841}"/>
+                <a16:creationId xmlns:a16="http://schemas.microsoft.com/office/drawing/2014/main" id="{51FA964B-8FCD-385B-927F-5864E1B76962}"/>
               </a:ext>
             </a:extLst>
           </p:cNvPr>
@@ -4596,28 +5430,23 @@
         </p:nvSpPr>
         <p:spPr/>
         <p:txBody>
-          <a:bodyPr>
-            <a:normAutofit/>
-          </a:bodyPr>
+          <a:bodyPr/>
           <a:lstStyle/>
           <a:p>
             <a:pPr algn="ctr"/>
             <a:r>
-              <a:rPr lang="en-IN" dirty="0">
-                <a:latin typeface="Times New Roman" panose="02020603050405020304" pitchFamily="18" charset="0"/>
-                <a:cs typeface="Times New Roman" panose="02020603050405020304" pitchFamily="18" charset="0"/>
-              </a:rPr>
-              <a:t>PROPOSED SOLUTION</a:t>
-            </a:r>
-          </a:p>
-        </p:txBody>
-      </p:sp>
-      <p:sp>
-        <p:nvSpPr>
-          <p:cNvPr id="13" name="Content Placeholder 12">
+              <a:rPr lang="en-IN" dirty="0"/>
+              <a:t>EXISTING SYSTEM</a:t>
+            </a:r>
+          </a:p>
+        </p:txBody>
+      </p:sp>
+      <p:sp>
+        <p:nvSpPr>
+          <p:cNvPr id="3" name="Content Placeholder 2">
             <a:extLst>
               <a:ext uri="{FF2B5EF4-FFF2-40B4-BE49-F238E27FC236}">
-                <a16:creationId xmlns:a16="http://schemas.microsoft.com/office/drawing/2014/main" id="{C17F56D3-448E-8803-0DA4-E3934C5B0F65}"/>
+                <a16:creationId xmlns:a16="http://schemas.microsoft.com/office/drawing/2014/main" id="{B109C5EC-2E5A-77AB-2F7C-FC96F3563D73}"/>
               </a:ext>
             </a:extLst>
           </p:cNvPr>
@@ -4630,67 +5459,38 @@
         </p:nvSpPr>
         <p:spPr>
           <a:xfrm>
-            <a:off x="1261871" y="1828800"/>
-            <a:ext cx="9204491" cy="4375052"/>
+            <a:off x="1261872" y="1871003"/>
+            <a:ext cx="9584320" cy="4360985"/>
           </a:xfrm>
         </p:spPr>
         <p:txBody>
           <a:bodyPr>
-            <a:normAutofit/>
+            <a:noAutofit/>
           </a:bodyPr>
           <a:lstStyle/>
           <a:p>
-            <a:pPr marL="0" indent="0" algn="just">
-              <a:buNone/>
-            </a:pPr>
-            <a:endParaRPr lang="en-IN" dirty="0"/>
-          </a:p>
-          <a:p>
-            <a:pPr algn="just">
-              <a:lnSpc>
-                <a:spcPct val="100000"/>
-              </a:lnSpc>
-            </a:pPr>
-            <a:r>
-              <a:rPr lang="en-US" dirty="0"/>
-              <a:t>By using the Flutter framework of Dart language, it overcomes the Compatibility issues as it allows cross platform development.</a:t>
-            </a:r>
-          </a:p>
-          <a:p>
-            <a:pPr algn="just"/>
-            <a:r>
-              <a:rPr lang="en-US" dirty="0"/>
-              <a:t>Microsoft Excel is a spreadsheet program and not a database management system. As a result, it may be prone to errors, But here we use mongo dB for database management system.</a:t>
-            </a:r>
-          </a:p>
-          <a:p>
-            <a:pPr algn="just"/>
-            <a:r>
-              <a:rPr lang="en-US" dirty="0"/>
-              <a:t>It is difficult to generate the time table without clash in MS Excel whereas while using Dart language and Genetic algorithm the time table can be generated more efficiently compared to MS Excel.</a:t>
-            </a:r>
-          </a:p>
-          <a:p>
-            <a:pPr algn="just"/>
-            <a:endParaRPr lang="en-IN" dirty="0"/>
+            <a:r>
+              <a:rPr lang="en-IN" sz="1800" dirty="0"/>
+              <a:t>MS</a:t>
+            </a:r>
           </a:p>
         </p:txBody>
       </p:sp>
     </p:spTree>
     <p:extLst>
       <p:ext uri="{BB962C8B-B14F-4D97-AF65-F5344CB8AC3E}">
-        <p14:creationId xmlns:p14="http://schemas.microsoft.com/office/powerpoint/2010/main" val="923633324"/>
+        <p14:creationId xmlns:p14="http://schemas.microsoft.com/office/powerpoint/2010/main" val="3094162409"/>
       </p:ext>
     </p:extLst>
   </p:cSld>
   <p:clrMapOvr>
     <a:masterClrMapping/>
   </p:clrMapOvr>
-  <mc:AlternateContent xmlns:mc="http://schemas.openxmlformats.org/markup-compatibility/2006">
-    <mc:Choice xmlns:p14="http://schemas.microsoft.com/office/powerpoint/2010/main" Requires="p14">
+  <mc:AlternateContent xmlns:mc="http://schemas.openxmlformats.org/markup-compatibility/2006" xmlns:p14="http://schemas.microsoft.com/office/powerpoint/2010/main">
+    <mc:Choice Requires="p14">
       <p:transition p14:dur="10"/>
     </mc:Choice>
-    <mc:Fallback>
+    <mc:Fallback xmlns="">
       <p:transition/>
     </mc:Fallback>
   </mc:AlternateContent>
@@ -4716,10 +5516,10 @@
       </p:grpSpPr>
       <p:sp>
         <p:nvSpPr>
-          <p:cNvPr id="2" name="Title 1">
+          <p:cNvPr id="12" name="Title 11">
             <a:extLst>
               <a:ext uri="{FF2B5EF4-FFF2-40B4-BE49-F238E27FC236}">
-                <a16:creationId xmlns:a16="http://schemas.microsoft.com/office/drawing/2014/main" id="{51FA964B-8FCD-385B-927F-5864E1B76962}"/>
+                <a16:creationId xmlns:a16="http://schemas.microsoft.com/office/drawing/2014/main" id="{ADA8497A-910E-B4C6-D278-76613E851841}"/>
               </a:ext>
             </a:extLst>
           </p:cNvPr>
@@ -4732,8 +5532,8 @@
         </p:nvSpPr>
         <p:spPr>
           <a:xfrm>
-            <a:off x="1828800" y="428626"/>
-            <a:ext cx="8102990" cy="879670"/>
+            <a:off x="866274" y="294198"/>
+            <a:ext cx="10088238" cy="1149592"/>
           </a:xfrm>
         </p:spPr>
         <p:txBody>
@@ -4742,27 +5542,22 @@
           </a:bodyPr>
           <a:lstStyle/>
           <a:p>
-            <a:pPr algn="ctr"/>
-            <a:r>
-              <a:rPr lang="en-IN" sz="4000" dirty="0">
+            <a:r>
+              <a:rPr lang="en-IN" sz="3600" dirty="0">
                 <a:latin typeface="Times New Roman" panose="02020603050405020304" pitchFamily="18" charset="0"/>
                 <a:cs typeface="Times New Roman" panose="02020603050405020304" pitchFamily="18" charset="0"/>
               </a:rPr>
-              <a:t>TECHNOLOGY</a:t>
-            </a:r>
-            <a:r>
-              <a:rPr lang="en-IN" sz="4000" dirty="0"/>
-              <a:t> STACK</a:t>
-            </a:r>
-          </a:p>
-        </p:txBody>
-      </p:sp>
-      <p:sp>
-        <p:nvSpPr>
-          <p:cNvPr id="3" name="Content Placeholder 2">
+              <a:t> DISADVANTAGES OF EXISTING SOFTWARE</a:t>
+            </a:r>
+          </a:p>
+        </p:txBody>
+      </p:sp>
+      <p:sp>
+        <p:nvSpPr>
+          <p:cNvPr id="13" name="Content Placeholder 12">
             <a:extLst>
               <a:ext uri="{FF2B5EF4-FFF2-40B4-BE49-F238E27FC236}">
-                <a16:creationId xmlns:a16="http://schemas.microsoft.com/office/drawing/2014/main" id="{B109C5EC-2E5A-77AB-2F7C-FC96F3563D73}"/>
+                <a16:creationId xmlns:a16="http://schemas.microsoft.com/office/drawing/2014/main" id="{C17F56D3-448E-8803-0DA4-E3934C5B0F65}"/>
               </a:ext>
             </a:extLst>
           </p:cNvPr>
@@ -4775,69 +5570,72 @@
         </p:nvSpPr>
         <p:spPr>
           <a:xfrm>
-            <a:off x="1028700" y="1851025"/>
-            <a:ext cx="10515600" cy="4351338"/>
+            <a:off x="1261872" y="1828800"/>
+            <a:ext cx="9345168" cy="4403188"/>
           </a:xfrm>
         </p:spPr>
         <p:txBody>
-          <a:bodyPr/>
-          <a:lstStyle/>
-          <a:p>
-            <a:endParaRPr lang="en-IN" dirty="0"/>
-          </a:p>
-          <a:p>
-            <a:r>
-              <a:rPr lang="en-IN" dirty="0"/>
-              <a:t>Dart – Programming language</a:t>
-            </a:r>
-          </a:p>
-          <a:p>
-            <a:r>
-              <a:rPr lang="en-IN" dirty="0"/>
-              <a:t>Flutter – Dart Frontend Framework</a:t>
-            </a:r>
-          </a:p>
-          <a:p>
-            <a:r>
-              <a:rPr lang="en-IN" dirty="0"/>
-              <a:t>Mongo dB – Database Management System</a:t>
-            </a:r>
-          </a:p>
-          <a:p>
-            <a:r>
-              <a:rPr lang="en-IN" dirty="0"/>
-              <a:t>Android Studio – </a:t>
-            </a:r>
-            <a:r>
-              <a:rPr lang="en-IN" dirty="0">
+          <a:bodyPr>
+            <a:normAutofit/>
+          </a:bodyPr>
+          <a:lstStyle/>
+          <a:p>
+            <a:pPr algn="just"/>
+            <a:r>
+              <a:rPr lang="en-US" b="1" dirty="0"/>
+              <a:t>Difficulty in data management</a:t>
+            </a:r>
+          </a:p>
+          <a:p>
+            <a:pPr algn="just"/>
+            <a:endParaRPr lang="en-US" b="1" dirty="0"/>
+          </a:p>
+          <a:p>
+            <a:pPr algn="just"/>
+            <a:r>
+              <a:rPr lang="en-US" b="1" dirty="0">
                 <a:latin typeface="Times New Roman" panose="02020603050405020304" pitchFamily="18" charset="0"/>
                 <a:cs typeface="Times New Roman" panose="02020603050405020304" pitchFamily="18" charset="0"/>
               </a:rPr>
-              <a:t>For</a:t>
-            </a:r>
-            <a:r>
-              <a:rPr lang="en-IN" dirty="0"/>
-              <a:t> Android Emulator</a:t>
-            </a:r>
-          </a:p>
-          <a:p>
-            <a:r>
-              <a:rPr lang="en-IN" dirty="0"/>
-              <a:t>Visual Studio Code - IDE</a:t>
-            </a:r>
+              <a:t>Compatibility</a:t>
+            </a:r>
+            <a:r>
+              <a:rPr lang="en-US" b="1" dirty="0"/>
+              <a:t> issues</a:t>
+            </a:r>
+          </a:p>
+          <a:p>
+            <a:pPr algn="just"/>
+            <a:endParaRPr lang="en-US" b="1" dirty="0"/>
+          </a:p>
+          <a:p>
+            <a:pPr algn="just"/>
+            <a:r>
+              <a:rPr lang="en-US" b="1" dirty="0"/>
+              <a:t>Error-prone</a:t>
+            </a:r>
+            <a:endParaRPr lang="en-IN" dirty="0"/>
           </a:p>
         </p:txBody>
       </p:sp>
     </p:spTree>
     <p:extLst>
       <p:ext uri="{BB962C8B-B14F-4D97-AF65-F5344CB8AC3E}">
-        <p14:creationId xmlns:p14="http://schemas.microsoft.com/office/powerpoint/2010/main" val="1874421761"/>
+        <p14:creationId xmlns:p14="http://schemas.microsoft.com/office/powerpoint/2010/main" val="2354646283"/>
       </p:ext>
     </p:extLst>
   </p:cSld>
   <p:clrMapOvr>
     <a:masterClrMapping/>
   </p:clrMapOvr>
+  <mc:AlternateContent xmlns:mc="http://schemas.openxmlformats.org/markup-compatibility/2006" xmlns:p14="http://schemas.microsoft.com/office/powerpoint/2010/main">
+    <mc:Choice Requires="p14">
+      <p:transition p14:dur="10"/>
+    </mc:Choice>
+    <mc:Fallback xmlns="">
+      <p:transition/>
+    </mc:Fallback>
+  </mc:AlternateContent>
 </p:sld>
 </file>
 
@@ -4860,10 +5658,10 @@
       </p:grpSpPr>
       <p:sp>
         <p:nvSpPr>
-          <p:cNvPr id="2" name="Title 1">
+          <p:cNvPr id="12" name="Title 11">
             <a:extLst>
               <a:ext uri="{FF2B5EF4-FFF2-40B4-BE49-F238E27FC236}">
-                <a16:creationId xmlns:a16="http://schemas.microsoft.com/office/drawing/2014/main" id="{51FA964B-8FCD-385B-927F-5864E1B76962}"/>
+                <a16:creationId xmlns:a16="http://schemas.microsoft.com/office/drawing/2014/main" id="{ADA8497A-910E-B4C6-D278-76613E851841}"/>
               </a:ext>
             </a:extLst>
           </p:cNvPr>
@@ -4874,12 +5672,7 @@
             <p:ph type="title"/>
           </p:nvPr>
         </p:nvSpPr>
-        <p:spPr>
-          <a:xfrm>
-            <a:off x="1828800" y="428626"/>
-            <a:ext cx="8102990" cy="879670"/>
-          </a:xfrm>
-        </p:spPr>
+        <p:spPr/>
         <p:txBody>
           <a:bodyPr>
             <a:normAutofit/>
@@ -4888,21 +5681,21 @@
           <a:p>
             <a:pPr algn="ctr"/>
             <a:r>
-              <a:rPr lang="en-IN" sz="4000" dirty="0">
+              <a:rPr lang="en-IN" dirty="0">
                 <a:latin typeface="Times New Roman" panose="02020603050405020304" pitchFamily="18" charset="0"/>
                 <a:cs typeface="Times New Roman" panose="02020603050405020304" pitchFamily="18" charset="0"/>
               </a:rPr>
-              <a:t>FEATURES</a:t>
-            </a:r>
-          </a:p>
-        </p:txBody>
-      </p:sp>
-      <p:sp>
-        <p:nvSpPr>
-          <p:cNvPr id="3" name="Content Placeholder 2">
+              <a:t>PROPOSED SOLUTION</a:t>
+            </a:r>
+          </a:p>
+        </p:txBody>
+      </p:sp>
+      <p:sp>
+        <p:nvSpPr>
+          <p:cNvPr id="13" name="Content Placeholder 12">
             <a:extLst>
               <a:ext uri="{FF2B5EF4-FFF2-40B4-BE49-F238E27FC236}">
-                <a16:creationId xmlns:a16="http://schemas.microsoft.com/office/drawing/2014/main" id="{B109C5EC-2E5A-77AB-2F7C-FC96F3563D73}"/>
+                <a16:creationId xmlns:a16="http://schemas.microsoft.com/office/drawing/2014/main" id="{C17F56D3-448E-8803-0DA4-E3934C5B0F65}"/>
               </a:ext>
             </a:extLst>
           </p:cNvPr>
@@ -4915,52 +5708,48 @@
         </p:nvSpPr>
         <p:spPr>
           <a:xfrm>
-            <a:off x="1028700" y="1851025"/>
-            <a:ext cx="9719017" cy="4338760"/>
+            <a:off x="1261871" y="1828800"/>
+            <a:ext cx="9204491" cy="4375052"/>
           </a:xfrm>
         </p:spPr>
         <p:txBody>
-          <a:bodyPr/>
-          <a:lstStyle/>
+          <a:bodyPr>
+            <a:normAutofit/>
+          </a:bodyPr>
+          <a:lstStyle/>
+          <a:p>
+            <a:pPr marL="0" indent="0" algn="just">
+              <a:buNone/>
+            </a:pPr>
+            <a:endParaRPr lang="en-IN" dirty="0"/>
+          </a:p>
+          <a:p>
+            <a:pPr algn="just">
+              <a:lnSpc>
+                <a:spcPct val="100000"/>
+              </a:lnSpc>
+            </a:pPr>
+            <a:r>
+              <a:rPr lang="en-US" dirty="0"/>
+              <a:t>By using the Flutter framework of Dart language, it overcomes the Compatibility issues as it allows cross platform development.</a:t>
+            </a:r>
+          </a:p>
           <a:p>
             <a:pPr algn="just"/>
             <a:r>
-              <a:rPr lang="en-US" b="1" dirty="0"/>
-              <a:t>Data storage</a:t>
+              <a:rPr lang="en-US" dirty="0"/>
+              <a:t>Microsoft Excel is a spreadsheet program and not a database management system. As a result, it may be prone to errors, But here we use mongo dB for database management system.</a:t>
             </a:r>
           </a:p>
           <a:p>
             <a:pPr algn="just"/>
-            <a:endParaRPr lang="en-US" dirty="0"/>
+            <a:r>
+              <a:rPr lang="en-US" dirty="0"/>
+              <a:t>It is difficult to generate the time table without clash in MS Excel whereas while using Dart language and Genetic algorithm the time table can be generated more efficiently compared to MS Excel.</a:t>
+            </a:r>
           </a:p>
           <a:p>
             <a:pPr algn="just"/>
-            <a:r>
-              <a:rPr lang="en-US" b="1" dirty="0"/>
-              <a:t>Conflict detection</a:t>
-            </a:r>
-          </a:p>
-          <a:p>
-            <a:pPr algn="just"/>
-            <a:endParaRPr lang="en-US" b="1" dirty="0"/>
-          </a:p>
-          <a:p>
-            <a:pPr algn="just"/>
-            <a:r>
-              <a:rPr lang="en-US" b="1" dirty="0"/>
-              <a:t>Class schedule visualization</a:t>
-            </a:r>
-          </a:p>
-          <a:p>
-            <a:pPr algn="just"/>
-            <a:endParaRPr lang="en-US" dirty="0"/>
-          </a:p>
-          <a:p>
-            <a:pPr algn="just"/>
-            <a:r>
-              <a:rPr lang="en-US" b="1" dirty="0"/>
-              <a:t>Mobile compatibility</a:t>
-            </a:r>
             <a:endParaRPr lang="en-IN" dirty="0"/>
           </a:p>
         </p:txBody>
@@ -4968,18 +5757,18 @@
     </p:spTree>
     <p:extLst>
       <p:ext uri="{BB962C8B-B14F-4D97-AF65-F5344CB8AC3E}">
-        <p14:creationId xmlns:p14="http://schemas.microsoft.com/office/powerpoint/2010/main" val="3246258575"/>
+        <p14:creationId xmlns:p14="http://schemas.microsoft.com/office/powerpoint/2010/main" val="923633324"/>
       </p:ext>
     </p:extLst>
   </p:cSld>
   <p:clrMapOvr>
     <a:masterClrMapping/>
   </p:clrMapOvr>
-  <mc:AlternateContent xmlns:mc="http://schemas.openxmlformats.org/markup-compatibility/2006">
-    <mc:Choice xmlns:p14="http://schemas.microsoft.com/office/powerpoint/2010/main" Requires="p14">
+  <mc:AlternateContent xmlns:mc="http://schemas.openxmlformats.org/markup-compatibility/2006" xmlns:p14="http://schemas.microsoft.com/office/powerpoint/2010/main">
+    <mc:Choice Requires="p14">
       <p:transition p14:dur="10"/>
     </mc:Choice>
-    <mc:Fallback>
+    <mc:Fallback xmlns="">
       <p:transition/>
     </mc:Fallback>
   </mc:AlternateContent>
@@ -5005,10 +5794,10 @@
       </p:grpSpPr>
       <p:sp>
         <p:nvSpPr>
-          <p:cNvPr id="12" name="Title 11">
+          <p:cNvPr id="2" name="Title 1">
             <a:extLst>
               <a:ext uri="{FF2B5EF4-FFF2-40B4-BE49-F238E27FC236}">
-                <a16:creationId xmlns:a16="http://schemas.microsoft.com/office/drawing/2014/main" id="{ADA8497A-910E-B4C6-D278-76613E851841}"/>
+                <a16:creationId xmlns:a16="http://schemas.microsoft.com/office/drawing/2014/main" id="{51FA964B-8FCD-385B-927F-5864E1B76962}"/>
               </a:ext>
             </a:extLst>
           </p:cNvPr>
@@ -5019,7 +5808,12 @@
             <p:ph type="title"/>
           </p:nvPr>
         </p:nvSpPr>
-        <p:spPr/>
+        <p:spPr>
+          <a:xfrm>
+            <a:off x="1828800" y="428626"/>
+            <a:ext cx="8102990" cy="879670"/>
+          </a:xfrm>
+        </p:spPr>
         <p:txBody>
           <a:bodyPr>
             <a:normAutofit/>
@@ -5027,95 +5821,101 @@
           <a:lstStyle/>
           <a:p>
             <a:pPr algn="ctr"/>
+            <a:r>
+              <a:rPr lang="en-IN" sz="4000" dirty="0">
+                <a:latin typeface="Times New Roman" panose="02020603050405020304" pitchFamily="18" charset="0"/>
+                <a:cs typeface="Times New Roman" panose="02020603050405020304" pitchFamily="18" charset="0"/>
+              </a:rPr>
+              <a:t>TECHNOLOGY</a:t>
+            </a:r>
+            <a:r>
+              <a:rPr lang="en-IN" sz="4000" dirty="0"/>
+              <a:t> STACK</a:t>
+            </a:r>
+          </a:p>
+        </p:txBody>
+      </p:sp>
+      <p:sp>
+        <p:nvSpPr>
+          <p:cNvPr id="3" name="Content Placeholder 2">
+            <a:extLst>
+              <a:ext uri="{FF2B5EF4-FFF2-40B4-BE49-F238E27FC236}">
+                <a16:creationId xmlns:a16="http://schemas.microsoft.com/office/drawing/2014/main" id="{B109C5EC-2E5A-77AB-2F7C-FC96F3563D73}"/>
+              </a:ext>
+            </a:extLst>
+          </p:cNvPr>
+          <p:cNvSpPr>
+            <a:spLocks noGrp="1"/>
+          </p:cNvSpPr>
+          <p:nvPr>
+            <p:ph idx="1"/>
+          </p:nvPr>
+        </p:nvSpPr>
+        <p:spPr>
+          <a:xfrm>
+            <a:off x="1028700" y="1851025"/>
+            <a:ext cx="10515600" cy="4351338"/>
+          </a:xfrm>
+        </p:spPr>
+        <p:txBody>
+          <a:bodyPr/>
+          <a:lstStyle/>
+          <a:p>
+            <a:endParaRPr lang="en-IN" dirty="0"/>
+          </a:p>
+          <a:p>
+            <a:r>
+              <a:rPr lang="en-IN" dirty="0"/>
+              <a:t>Dart – Programming language</a:t>
+            </a:r>
+          </a:p>
+          <a:p>
+            <a:r>
+              <a:rPr lang="en-IN" dirty="0"/>
+              <a:t>Flutter – Dart Frontend Framework</a:t>
+            </a:r>
+          </a:p>
+          <a:p>
+            <a:r>
+              <a:rPr lang="en-IN" dirty="0"/>
+              <a:t>Mongo dB – Database Management System</a:t>
+            </a:r>
+          </a:p>
+          <a:p>
+            <a:r>
+              <a:rPr lang="en-IN" dirty="0"/>
+              <a:t>Android Studio – </a:t>
+            </a:r>
             <a:r>
               <a:rPr lang="en-IN" dirty="0">
                 <a:latin typeface="Times New Roman" panose="02020603050405020304" pitchFamily="18" charset="0"/>
                 <a:cs typeface="Times New Roman" panose="02020603050405020304" pitchFamily="18" charset="0"/>
               </a:rPr>
-              <a:t>CONCLUSION</a:t>
-            </a:r>
-          </a:p>
-        </p:txBody>
-      </p:sp>
-      <p:sp>
-        <p:nvSpPr>
-          <p:cNvPr id="13" name="Content Placeholder 12">
-            <a:extLst>
-              <a:ext uri="{FF2B5EF4-FFF2-40B4-BE49-F238E27FC236}">
-                <a16:creationId xmlns:a16="http://schemas.microsoft.com/office/drawing/2014/main" id="{C17F56D3-448E-8803-0DA4-E3934C5B0F65}"/>
-              </a:ext>
-            </a:extLst>
-          </p:cNvPr>
-          <p:cNvSpPr>
-            <a:spLocks noGrp="1"/>
-          </p:cNvSpPr>
-          <p:nvPr>
-            <p:ph idx="1"/>
-          </p:nvPr>
-        </p:nvSpPr>
-        <p:spPr>
-          <a:xfrm>
-            <a:off x="1261872" y="1589649"/>
-            <a:ext cx="9288897" cy="4459458"/>
-          </a:xfrm>
-        </p:spPr>
-        <p:txBody>
-          <a:bodyPr>
-            <a:normAutofit/>
-          </a:bodyPr>
-          <a:lstStyle/>
-          <a:p>
-            <a:pPr marL="0" indent="0" algn="just">
-              <a:buNone/>
-            </a:pPr>
-            <a:endParaRPr lang="en-IN" dirty="0"/>
-          </a:p>
-          <a:p>
-            <a:pPr algn="just"/>
-            <a:r>
-              <a:rPr lang="en-US" dirty="0"/>
-              <a:t> Effective time table generation requires careful planning and attention to detail. It is essential </a:t>
-            </a:r>
-            <a:r>
-              <a:rPr lang="en-US" dirty="0">
-                <a:latin typeface="Times New Roman" panose="02020603050405020304" pitchFamily="18" charset="0"/>
-                <a:cs typeface="Times New Roman" panose="02020603050405020304" pitchFamily="18" charset="0"/>
-              </a:rPr>
-              <a:t>to</a:t>
-            </a:r>
-            <a:r>
-              <a:rPr lang="en-US" dirty="0"/>
-              <a:t> consider the availability of classrooms, instructors, and students, and allocate them in a way that minimizes conflicts and maximizes productivity. The use of computer algorithms and scheduling software can significantly simplify the time table generation process and help ensure that the final schedule is efficient and feasible.</a:t>
-            </a:r>
-          </a:p>
-          <a:p>
-            <a:pPr algn="just"/>
-            <a:r>
-              <a:rPr lang="en-US" dirty="0"/>
-              <a:t> In conclusion, the generation of a time table is a complex process that requires careful consideration of multiple factors. By using the right tools and techniques, it is possible to create a well-structured schedule that meets the needs of all parties involved and contributes to a more organized and efficient workflow.</a:t>
-            </a:r>
-            <a:endParaRPr lang="en-IN" dirty="0"/>
+              <a:t>For</a:t>
+            </a:r>
+            <a:r>
+              <a:rPr lang="en-IN" dirty="0"/>
+              <a:t> Android Emulator</a:t>
+            </a:r>
+          </a:p>
+          <a:p>
+            <a:r>
+              <a:rPr lang="en-IN" dirty="0"/>
+              <a:t>Visual Studio Code - IDE</a:t>
+            </a:r>
           </a:p>
         </p:txBody>
       </p:sp>
     </p:spTree>
     <p:extLst>
       <p:ext uri="{BB962C8B-B14F-4D97-AF65-F5344CB8AC3E}">
-        <p14:creationId xmlns:p14="http://schemas.microsoft.com/office/powerpoint/2010/main" val="195012013"/>
+        <p14:creationId xmlns:p14="http://schemas.microsoft.com/office/powerpoint/2010/main" val="1874421761"/>
       </p:ext>
     </p:extLst>
   </p:cSld>
   <p:clrMapOvr>
     <a:masterClrMapping/>
   </p:clrMapOvr>
-  <mc:AlternateContent xmlns:mc="http://schemas.openxmlformats.org/markup-compatibility/2006">
-    <mc:Choice xmlns:p14="http://schemas.microsoft.com/office/powerpoint/2010/main" Requires="p14">
-      <p:transition p14:dur="10"/>
-    </mc:Choice>
-    <mc:Fallback>
-      <p:transition/>
-    </mc:Fallback>
-  </mc:AlternateContent>
 </p:sld>
 </file>
 
